--- a/lesson09.pptx
+++ b/lesson09.pptx
@@ -141,14 +141,6 @@
 </p:presentation>
 </file>
 
-<file path=ppt/revisionInfo.xml><?xml version="1.0" encoding="utf-8"?>
-<p1510:revInfo xmlns:a="http://schemas.openxmlformats.org/drawingml/2006/main" xmlns:r="http://schemas.openxmlformats.org/officeDocument/2006/relationships" xmlns:p1510="http://schemas.microsoft.com/office/powerpoint/2015/10/main">
-  <p1510:revLst>
-    <p1510:client id="{5B588F87-A3F5-4204-BDFC-E97098E123EE}" v="1" dt="2021-01-05T09:31:22.429"/>
-  </p1510:revLst>
-</p1510:revInfo>
-</file>
-
 <file path=ppt/changesInfos/changesInfo1.xml><?xml version="1.0" encoding="utf-8"?>
 <pc:chgInfo xmlns:a="http://schemas.openxmlformats.org/drawingml/2006/main" xmlns:r="http://schemas.openxmlformats.org/officeDocument/2006/relationships" xmlns:ac="http://schemas.microsoft.com/office/drawing/2013/main/command" xmlns:pc="http://schemas.microsoft.com/office/powerpoint/2013/main/command">
   <pc:docChgLst>
@@ -198,6 +190,30 @@
       </pc:sldChg>
     </pc:docChg>
   </pc:docChgLst>
+  <pc:docChgLst>
+    <pc:chgData name="Anatoliy Kigel" userId="7432c6c4687b0a9c" providerId="LiveId" clId="{A9CF3CF8-2E97-4539-A604-48E17ABE91A5}"/>
+    <pc:docChg chg="modSld">
+      <pc:chgData name="Anatoliy Kigel" userId="7432c6c4687b0a9c" providerId="LiveId" clId="{A9CF3CF8-2E97-4539-A604-48E17ABE91A5}" dt="2021-03-01T20:48:48.731" v="2" actId="20577"/>
+      <pc:docMkLst>
+        <pc:docMk/>
+      </pc:docMkLst>
+      <pc:sldChg chg="modSp mod">
+        <pc:chgData name="Anatoliy Kigel" userId="7432c6c4687b0a9c" providerId="LiveId" clId="{A9CF3CF8-2E97-4539-A604-48E17ABE91A5}" dt="2021-03-01T20:48:48.731" v="2" actId="20577"/>
+        <pc:sldMkLst>
+          <pc:docMk/>
+          <pc:sldMk cId="407692898" sldId="663"/>
+        </pc:sldMkLst>
+        <pc:spChg chg="mod">
+          <ac:chgData name="Anatoliy Kigel" userId="7432c6c4687b0a9c" providerId="LiveId" clId="{A9CF3CF8-2E97-4539-A604-48E17ABE91A5}" dt="2021-03-01T20:48:48.731" v="2" actId="20577"/>
+          <ac:spMkLst>
+            <pc:docMk/>
+            <pc:sldMk cId="407692898" sldId="663"/>
+            <ac:spMk id="2" creationId="{00000000-0000-0000-0000-000000000000}"/>
+          </ac:spMkLst>
+        </pc:spChg>
+      </pc:sldChg>
+    </pc:docChg>
+  </pc:docChgLst>
 </pc:chgInfo>
 </file>
 
@@ -284,7 +300,7 @@
             <a:fld id="{85522811-C5C6-42D2-A409-F8556720C93F}" type="datetimeFigureOut">
               <a:rPr lang="uk-UA" smtClean="0"/>
               <a:pPr/>
-              <a:t>05.01.2021</a:t>
+              <a:t>01.03.2021</a:t>
             </a:fld>
             <a:endParaRPr lang="uk-UA" dirty="0"/>
           </a:p>
@@ -829,7 +845,7 @@
             <a:fld id="{0A2E6AC4-C3FE-4E70-88D1-136405B25267}" type="datetime1">
               <a:rPr lang="uk-UA" smtClean="0"/>
               <a:pPr/>
-              <a:t>05.01.2021</a:t>
+              <a:t>01.03.2021</a:t>
             </a:fld>
             <a:endParaRPr lang="uk-UA" dirty="0"/>
           </a:p>
@@ -996,7 +1012,7 @@
             <a:fld id="{B4D85949-5AE9-41F1-B18C-DA1006B0E8CC}" type="datetime1">
               <a:rPr lang="uk-UA" smtClean="0"/>
               <a:pPr/>
-              <a:t>05.01.2021</a:t>
+              <a:t>01.03.2021</a:t>
             </a:fld>
             <a:endParaRPr lang="uk-UA" dirty="0"/>
           </a:p>
@@ -1173,7 +1189,7 @@
             <a:fld id="{B20C227C-94C5-4BA1-A89C-1C7570144B22}" type="datetime1">
               <a:rPr lang="uk-UA" smtClean="0"/>
               <a:pPr/>
-              <a:t>05.01.2021</a:t>
+              <a:t>01.03.2021</a:t>
             </a:fld>
             <a:endParaRPr lang="uk-UA" dirty="0"/>
           </a:p>
@@ -1340,7 +1356,7 @@
             <a:fld id="{68E2E168-B245-4D8D-8538-B29990DBF87B}" type="datetime1">
               <a:rPr lang="uk-UA" smtClean="0"/>
               <a:pPr/>
-              <a:t>05.01.2021</a:t>
+              <a:t>01.03.2021</a:t>
             </a:fld>
             <a:endParaRPr lang="uk-UA" dirty="0"/>
           </a:p>
@@ -1583,7 +1599,7 @@
             <a:fld id="{356DAF6E-7007-4E61-B36E-794BF232B234}" type="datetime1">
               <a:rPr lang="uk-UA" smtClean="0"/>
               <a:pPr/>
-              <a:t>05.01.2021</a:t>
+              <a:t>01.03.2021</a:t>
             </a:fld>
             <a:endParaRPr lang="uk-UA" dirty="0"/>
           </a:p>
@@ -1868,7 +1884,7 @@
             <a:fld id="{4B2141DD-FE72-44AA-B946-B70892F1F5B7}" type="datetime1">
               <a:rPr lang="uk-UA" smtClean="0"/>
               <a:pPr/>
-              <a:t>05.01.2021</a:t>
+              <a:t>01.03.2021</a:t>
             </a:fld>
             <a:endParaRPr lang="uk-UA" dirty="0"/>
           </a:p>
@@ -2287,7 +2303,7 @@
             <a:fld id="{D1C4DC7C-6CC4-4D1F-A21B-A650800E0532}" type="datetime1">
               <a:rPr lang="uk-UA" smtClean="0"/>
               <a:pPr/>
-              <a:t>05.01.2021</a:t>
+              <a:t>01.03.2021</a:t>
             </a:fld>
             <a:endParaRPr lang="uk-UA" dirty="0"/>
           </a:p>
@@ -2402,7 +2418,7 @@
             <a:fld id="{09E753FA-BE70-4E9D-A1A2-A798C2E22C2C}" type="datetime1">
               <a:rPr lang="uk-UA" smtClean="0"/>
               <a:pPr/>
-              <a:t>05.01.2021</a:t>
+              <a:t>01.03.2021</a:t>
             </a:fld>
             <a:endParaRPr lang="uk-UA" dirty="0"/>
           </a:p>
@@ -2494,7 +2510,7 @@
             <a:fld id="{BC4E9D1B-A194-48C6-B5A1-4C29D0F81227}" type="datetime1">
               <a:rPr lang="uk-UA" smtClean="0"/>
               <a:pPr/>
-              <a:t>05.01.2021</a:t>
+              <a:t>01.03.2021</a:t>
             </a:fld>
             <a:endParaRPr lang="uk-UA" dirty="0"/>
           </a:p>
@@ -2768,7 +2784,7 @@
             <a:fld id="{98DC5B78-3AEE-4E8C-84A2-DF8B252C6B7D}" type="datetime1">
               <a:rPr lang="uk-UA" smtClean="0"/>
               <a:pPr/>
-              <a:t>05.01.2021</a:t>
+              <a:t>01.03.2021</a:t>
             </a:fld>
             <a:endParaRPr lang="uk-UA" dirty="0"/>
           </a:p>
@@ -3018,7 +3034,7 @@
             <a:fld id="{08E6AC05-7690-4D29-B090-15CFA8055B58}" type="datetime1">
               <a:rPr lang="uk-UA" smtClean="0"/>
               <a:pPr/>
-              <a:t>05.01.2021</a:t>
+              <a:t>01.03.2021</a:t>
             </a:fld>
             <a:endParaRPr lang="uk-UA" dirty="0"/>
           </a:p>
@@ -3228,7 +3244,7 @@
             <a:fld id="{C4778AB5-85A2-4D58-9351-A198925B541D}" type="datetime1">
               <a:rPr lang="uk-UA" smtClean="0"/>
               <a:pPr/>
-              <a:t>05.01.2021</a:t>
+              <a:t>01.03.2021</a:t>
             </a:fld>
             <a:endParaRPr lang="uk-UA" dirty="0"/>
           </a:p>
@@ -6391,6 +6407,23 @@
           <a:p>
             <a:pPr algn="ctr"/>
             <a:r>
+              <a:rPr lang="en-US" sz="4400" b="1" dirty="0">
+                <a:ln w="22225">
+                  <a:solidFill>
+                    <a:schemeClr val="accent2"/>
+                  </a:solidFill>
+                  <a:prstDash val="solid"/>
+                </a:ln>
+                <a:solidFill>
+                  <a:schemeClr val="accent2">
+                    <a:lumMod val="40000"/>
+                    <a:lumOff val="60000"/>
+                  </a:schemeClr>
+                </a:solidFill>
+              </a:rPr>
+              <a:t>+</a:t>
+            </a:r>
+            <a:r>
               <a:rPr lang="ru-RU" sz="4400" b="1" dirty="0">
                 <a:ln w="22225">
                   <a:solidFill>
@@ -6405,7 +6438,7 @@
                   </a:schemeClr>
                 </a:solidFill>
               </a:rPr>
-              <a:t>Теперь с </a:t>
+              <a:t> </a:t>
             </a:r>
             <a:r>
               <a:rPr lang="en-US" sz="4400" b="1" dirty="0">
